--- a/picture/ppt/cands/cands.pptx
+++ b/picture/ppt/cands/cands.pptx
@@ -7197,14 +7197,14 @@
           <a:p>
             <a:pPr algn="ctr"/>
             <a:r>
-              <a:rPr lang="zh-CN" altLang="" sz="1200" b="1">
+              <a:rPr lang="zh-CN" altLang="en-US" sz="1200" b="1">
                 <a:solidFill>
                   <a:srgbClr val="2C3E50"/>
                 </a:solidFill>
               </a:rPr>
               <a:t>持有锁</a:t>
             </a:r>
-            <a:endParaRPr lang="zh-CN" altLang="" sz="1200" b="1">
+            <a:endParaRPr lang="zh-CN" altLang="en-US" sz="1200" b="1">
               <a:solidFill>
                 <a:srgbClr val="2C3E50"/>
               </a:solidFill>
@@ -8316,14 +8316,14 @@
           <a:p>
             <a:pPr algn="ctr"/>
             <a:r>
-              <a:rPr lang="" altLang="zh-CN" sz="1200" b="1">
+              <a:rPr lang="en-US" altLang="zh-CN" sz="1200" b="1">
                 <a:solidFill>
                   <a:srgbClr val="2C3E50"/>
                 </a:solidFill>
               </a:rPr>
               <a:t>new request</a:t>
             </a:r>
-            <a:endParaRPr lang="" altLang="zh-CN" sz="1200" b="1">
+            <a:endParaRPr lang="en-US" altLang="zh-CN" sz="1200" b="1">
               <a:solidFill>
                 <a:srgbClr val="2C3E50"/>
               </a:solidFill>
@@ -10964,14 +10964,14 @@
           </a:bodyPr>
           <a:p>
             <a:r>
-              <a:rPr lang="" altLang="en-US" sz="3600" b="1">
+              <a:rPr lang="en-US" altLang="en-US" sz="3600" b="1">
                 <a:solidFill>
                   <a:srgbClr val="2C3E50"/>
                 </a:solidFill>
               </a:rPr>
               <a:t>RCU</a:t>
             </a:r>
-            <a:endParaRPr lang="" altLang="en-US" sz="3600" b="1">
+            <a:endParaRPr lang="en-US" altLang="en-US" sz="3600" b="1">
               <a:solidFill>
                 <a:srgbClr val="2C3E50"/>
               </a:solidFill>
@@ -11019,14 +11019,14 @@
           </a:bodyPr>
           <a:p>
             <a:r>
-              <a:rPr lang="" altLang="en-US" b="1">
+              <a:rPr lang="en-US" altLang="en-US" b="1">
                 <a:solidFill>
                   <a:srgbClr val="2C3E50"/>
                 </a:solidFill>
               </a:rPr>
               <a:t>RCU</a:t>
             </a:r>
-            <a:endParaRPr lang="" altLang="en-US" b="1">
+            <a:endParaRPr lang="en-US" altLang="en-US" b="1">
               <a:solidFill>
                 <a:srgbClr val="2C3E50"/>
               </a:solidFill>
@@ -11102,14 +11102,14 @@
           </a:bodyPr>
           <a:p>
             <a:r>
-              <a:rPr lang="zh-CN" altLang="" sz="1200" b="1">
+              <a:rPr lang="zh-CN" altLang="en-US" sz="1200" b="1">
                 <a:solidFill>
                   <a:srgbClr val="2C3E50"/>
                 </a:solidFill>
               </a:rPr>
               <a:t>按功能属性分类</a:t>
             </a:r>
-            <a:endParaRPr lang="zh-CN" altLang="" sz="1200" b="1">
+            <a:endParaRPr lang="zh-CN" altLang="en-US" sz="1200" b="1">
               <a:solidFill>
                 <a:srgbClr val="2C3E50"/>
               </a:solidFill>
@@ -11244,14 +11244,14 @@
                 <a:t>经典</a:t>
               </a:r>
               <a:r>
-                <a:rPr lang="" altLang="zh-CN" sz="1000" b="1">
+                <a:rPr lang="en-US" altLang="zh-CN" sz="1000" b="1">
                   <a:solidFill>
                     <a:srgbClr val="2C3E50"/>
                   </a:solidFill>
                 </a:rPr>
                 <a:t>RCU</a:t>
               </a:r>
-              <a:endParaRPr lang="" altLang="zh-CN" sz="1000" b="1">
+              <a:endParaRPr lang="en-US" altLang="zh-CN" sz="1000" b="1">
                 <a:solidFill>
                   <a:srgbClr val="2C3E50"/>
                 </a:solidFill>
@@ -11281,14 +11281,14 @@
             </a:bodyPr>
             <a:p>
               <a:r>
-                <a:rPr lang="" altLang="en-US" sz="1000" b="1">
+                <a:rPr lang="en-US" altLang="en-US" sz="1000" b="1">
                   <a:solidFill>
                     <a:srgbClr val="2C3E50"/>
                   </a:solidFill>
                 </a:rPr>
                 <a:t>RCU BH</a:t>
               </a:r>
-              <a:endParaRPr lang="" altLang="en-US" sz="1000" b="1">
+              <a:endParaRPr lang="en-US" altLang="en-US" sz="1000" b="1">
                 <a:solidFill>
                   <a:srgbClr val="2C3E50"/>
                 </a:solidFill>
@@ -11318,14 +11318,14 @@
             </a:bodyPr>
             <a:p>
               <a:r>
-                <a:rPr lang="" altLang="en-US" sz="1000" b="1">
+                <a:rPr lang="en-US" altLang="en-US" sz="1000" b="1">
                   <a:solidFill>
                     <a:srgbClr val="2C3E50"/>
                   </a:solidFill>
                 </a:rPr>
                 <a:t>RCU sched</a:t>
               </a:r>
-              <a:endParaRPr lang="" altLang="en-US" sz="1000" b="1">
+              <a:endParaRPr lang="en-US" altLang="en-US" sz="1000" b="1">
                 <a:solidFill>
                   <a:srgbClr val="2C3E50"/>
                 </a:solidFill>
@@ -11355,7 +11355,7 @@
             </a:bodyPr>
             <a:p>
               <a:r>
-                <a:rPr lang="zh-CN" altLang="" sz="1000" b="1">
+                <a:rPr lang="zh-CN" altLang="en-US" sz="1000" b="1">
                   <a:solidFill>
                     <a:srgbClr val="2C3E50"/>
                   </a:solidFill>
@@ -11455,22 +11455,14 @@
               <a:t>T</a:t>
             </a:r>
             <a:r>
-              <a:rPr lang="" altLang="en-US" sz="1000" b="1">
-                <a:solidFill>
-                  <a:srgbClr val="2C3E50"/>
-                </a:solidFill>
-              </a:rPr>
-              <a:t>ree</a:t>
-            </a:r>
-            <a:r>
-              <a:rPr lang="en-US" altLang="" sz="1000" b="1">
-                <a:solidFill>
-                  <a:srgbClr val="2C3E50"/>
-                </a:solidFill>
-              </a:rPr>
-              <a:t>RCU</a:t>
-            </a:r>
-            <a:endParaRPr lang="en-US" altLang="" sz="1000" b="1">
+              <a:rPr lang="en-US" altLang="en-US" sz="1000" b="1">
+                <a:solidFill>
+                  <a:srgbClr val="2C3E50"/>
+                </a:solidFill>
+              </a:rPr>
+              <a:t>reeRCU</a:t>
+            </a:r>
+            <a:endParaRPr lang="en-US" altLang="en-US" sz="1000" b="1">
               <a:solidFill>
                 <a:srgbClr val="2C3E50"/>
               </a:solidFill>
@@ -12637,7 +12629,7 @@
           <a:p>
             <a:pPr algn="ctr"/>
             <a:r>
-              <a:rPr lang="zh-CN" altLang="" sz="1000" b="1">
+              <a:rPr lang="zh-CN" altLang="en-US" sz="1000" b="1">
                 <a:solidFill>
                   <a:srgbClr val="2C3E50"/>
                 </a:solidFill>
@@ -12645,7 +12637,7 @@
               <a:t>带</a:t>
             </a:r>
             <a:r>
-              <a:rPr lang="" altLang="zh-CN" sz="1000" b="1">
+              <a:rPr lang="en-US" altLang="zh-CN" sz="1000" b="1">
                 <a:solidFill>
                   <a:srgbClr val="2C3E50"/>
                 </a:solidFill>
@@ -12653,14 +12645,14 @@
               <a:t>raw_</a:t>
             </a:r>
             <a:r>
-              <a:rPr lang="zh-CN" altLang="" sz="1000" b="1">
+              <a:rPr lang="zh-CN" altLang="en-US" sz="1000" b="1">
                 <a:solidFill>
                   <a:srgbClr val="2C3E50"/>
                 </a:solidFill>
               </a:rPr>
               <a:t>的都是禁止抢占的</a:t>
             </a:r>
-            <a:endParaRPr lang="zh-CN" altLang="" sz="1000" b="1">
+            <a:endParaRPr lang="zh-CN" altLang="en-US" sz="1000" b="1">
               <a:solidFill>
                 <a:srgbClr val="2C3E50"/>
               </a:solidFill>
@@ -12669,7 +12661,7 @@
           <a:p>
             <a:pPr algn="ctr"/>
             <a:r>
-              <a:rPr lang="zh-CN" altLang="" sz="1000" b="1">
+              <a:rPr lang="zh-CN" altLang="en-US" sz="1000" b="1">
                 <a:solidFill>
                   <a:srgbClr val="2C3E50"/>
                 </a:solidFill>
@@ -12677,14 +12669,14 @@
               <a:t>如</a:t>
             </a:r>
             <a:r>
-              <a:rPr lang="" altLang="zh-CN" sz="1000" b="1">
+              <a:rPr lang="en-US" altLang="zh-CN" sz="1000" b="1">
                 <a:solidFill>
                   <a:srgbClr val="2C3E50"/>
                 </a:solidFill>
               </a:rPr>
               <a:t>raw_spin_lock</a:t>
             </a:r>
-            <a:endParaRPr lang="" altLang="zh-CN" sz="1000" b="1">
+            <a:endParaRPr lang="en-US" altLang="zh-CN" sz="1000" b="1">
               <a:solidFill>
                 <a:srgbClr val="2C3E50"/>
               </a:solidFill>
@@ -13949,7 +13941,7 @@
         <p:spPr>
           <a:xfrm>
             <a:off x="2010410" y="393700"/>
-            <a:ext cx="1585595" cy="306705"/>
+            <a:ext cx="2116455" cy="306705"/>
           </a:xfrm>
           <a:prstGeom prst="rect">
             <a:avLst/>
@@ -13983,7 +13975,7 @@
                   <a:srgbClr val="2C3E50"/>
                 </a:solidFill>
               </a:rPr>
-              <a:t>中断并发</a:t>
+              <a:t>中断上半段并发</a:t>
             </a:r>
             <a:endParaRPr lang="zh-CN" altLang="en-US" sz="1400" b="1">
               <a:solidFill>
@@ -15075,7 +15067,7 @@
         <p:spPr>
           <a:xfrm>
             <a:off x="2010410" y="393700"/>
-            <a:ext cx="1585595" cy="306705"/>
+            <a:ext cx="2116455" cy="306705"/>
           </a:xfrm>
           <a:prstGeom prst="rect">
             <a:avLst/>
@@ -15109,7 +15101,7 @@
                   <a:srgbClr val="2C3E50"/>
                 </a:solidFill>
               </a:rPr>
-              <a:t>中断并发</a:t>
+              <a:t>中断下半段并发</a:t>
             </a:r>
             <a:endParaRPr lang="zh-CN" altLang="en-US" sz="1400" b="1">
               <a:solidFill>
@@ -18114,20 +18106,12 @@
           </a:bodyPr>
           <a:p>
             <a:r>
-              <a:rPr lang="" altLang="en-US" sz="3600" b="1">
-                <a:solidFill>
-                  <a:srgbClr val="2C3E50"/>
-                </a:solidFill>
-              </a:rPr>
-              <a:t>mutex</a:t>
-            </a:r>
-            <a:r>
               <a:rPr lang="en-US" altLang="en-US" sz="3600" b="1">
                 <a:solidFill>
                   <a:srgbClr val="2C3E50"/>
                 </a:solidFill>
               </a:rPr>
-              <a:t>_lock</a:t>
+              <a:t>mutex_lock</a:t>
             </a:r>
             <a:endParaRPr lang="en-US" altLang="en-US" sz="3600" b="1">
               <a:solidFill>
